--- a/documentation/poster/HTWK_Plakat_IM.pptx
+++ b/documentation/poster/HTWK_Plakat_IM.pptx
@@ -325,7 +325,7 @@
           <a:p>
             <a:fld id="{3A779C4D-4791-4D59-8DC6-E8AFFE904828}" type="datetimeFigureOut">
               <a:rPr lang="de-DE" smtClean="0"/>
-              <a:t>24.06.2019</a:t>
+              <a:t>26.06.2019</a:t>
             </a:fld>
             <a:endParaRPr lang="de-DE"/>
           </a:p>
@@ -490,7 +490,7 @@
           <a:p>
             <a:fld id="{D74C8CEE-EA98-4BE2-B5DF-BF93C5D16FF5}" type="datetimeFigureOut">
               <a:rPr lang="de-DE" smtClean="0"/>
-              <a:t>24.06.2019</a:t>
+              <a:t>26.06.2019</a:t>
             </a:fld>
             <a:endParaRPr lang="de-DE"/>
           </a:p>
@@ -5879,48 +5879,12 @@
           <a:chExt cx="0" cy="0"/>
         </a:xfrm>
       </p:grpSpPr>
-      <p:pic>
-        <p:nvPicPr>
-          <p:cNvPr id="83" name="Grafik 82">
-            <a:extLst>
-              <a:ext uri="{FF2B5EF4-FFF2-40B4-BE49-F238E27FC236}">
-                <a16:creationId xmlns:a16="http://schemas.microsoft.com/office/drawing/2014/main" id="{416B1DEE-F3D0-47E0-ADA0-EA5FAFC479BD}"/>
-              </a:ext>
-            </a:extLst>
-          </p:cNvPr>
-          <p:cNvPicPr>
-            <a:picLocks noChangeAspect="1"/>
-          </p:cNvPicPr>
-          <p:nvPr/>
-        </p:nvPicPr>
-        <p:blipFill>
-          <a:blip r:embed="rId2" cstate="print">
-            <a:extLst>
-              <a:ext uri="{28A0092B-C50C-407E-A947-70E740481C1C}">
-                <a14:useLocalDpi xmlns:a14="http://schemas.microsoft.com/office/drawing/2010/main" val="0"/>
-              </a:ext>
-            </a:extLst>
-          </a:blip>
-          <a:stretch>
-            <a:fillRect/>
-          </a:stretch>
-        </p:blipFill>
-        <p:spPr>
-          <a:xfrm>
-            <a:off x="10082543" y="1845054"/>
-            <a:ext cx="1218538" cy="1123200"/>
-          </a:xfrm>
-          <a:prstGeom prst="rect">
-            <a:avLst/>
-          </a:prstGeom>
-        </p:spPr>
-      </p:pic>
-      <p:sp>
-        <p:nvSpPr>
-          <p:cNvPr id="62" name="Textfeld 61">
-            <a:extLst>
-              <a:ext uri="{FF2B5EF4-FFF2-40B4-BE49-F238E27FC236}">
-                <a16:creationId xmlns:a16="http://schemas.microsoft.com/office/drawing/2014/main" id="{1D2E8C3A-5545-40C0-BE11-1A6C394CEB4A}"/>
+      <p:sp>
+        <p:nvSpPr>
+          <p:cNvPr id="13" name="Textfeld 12">
+            <a:extLst>
+              <a:ext uri="{FF2B5EF4-FFF2-40B4-BE49-F238E27FC236}">
+                <a16:creationId xmlns:a16="http://schemas.microsoft.com/office/drawing/2014/main" id="{57E31676-3978-4B44-AA55-A57376293B26}"/>
               </a:ext>
             </a:extLst>
           </p:cNvPr>
@@ -5929,8 +5893,8 @@
         </p:nvSpPr>
         <p:spPr>
           <a:xfrm>
-            <a:off x="9363671" y="13152509"/>
-            <a:ext cx="11071111" cy="4642205"/>
+            <a:off x="1801727" y="7997234"/>
+            <a:ext cx="12604729" cy="4624709"/>
           </a:xfrm>
           <a:prstGeom prst="rect">
             <a:avLst/>
@@ -5955,116 +5919,82 @@
           </a:p>
         </p:txBody>
       </p:sp>
-      <p:grpSp>
-        <p:nvGrpSpPr>
-          <p:cNvPr id="16" name="Gruppieren 15">
-            <a:extLst>
-              <a:ext uri="{FF2B5EF4-FFF2-40B4-BE49-F238E27FC236}">
-                <a16:creationId xmlns:a16="http://schemas.microsoft.com/office/drawing/2014/main" id="{BF0E670C-3D30-4DD5-8384-1C7CC993183B}"/>
-              </a:ext>
-            </a:extLst>
-          </p:cNvPr>
-          <p:cNvGrpSpPr/>
+      <p:pic>
+        <p:nvPicPr>
+          <p:cNvPr id="83" name="Grafik 82">
+            <a:extLst>
+              <a:ext uri="{FF2B5EF4-FFF2-40B4-BE49-F238E27FC236}">
+                <a16:creationId xmlns:a16="http://schemas.microsoft.com/office/drawing/2014/main" id="{416B1DEE-F3D0-47E0-ADA0-EA5FAFC479BD}"/>
+              </a:ext>
+            </a:extLst>
+          </p:cNvPr>
+          <p:cNvPicPr>
+            <a:picLocks noChangeAspect="1"/>
+          </p:cNvPicPr>
           <p:nvPr/>
-        </p:nvGrpSpPr>
-        <p:grpSpPr>
-          <a:xfrm>
-            <a:off x="970733" y="7997233"/>
-            <a:ext cx="13435723" cy="4624710"/>
-            <a:chOff x="9507366" y="9093880"/>
-            <a:chExt cx="7598398" cy="7436503"/>
-          </a:xfrm>
-        </p:grpSpPr>
-        <p:sp>
-          <p:nvSpPr>
-            <p:cNvPr id="13" name="Textfeld 12">
-              <a:extLst>
-                <a:ext uri="{FF2B5EF4-FFF2-40B4-BE49-F238E27FC236}">
-                  <a16:creationId xmlns:a16="http://schemas.microsoft.com/office/drawing/2014/main" id="{57E31676-3978-4B44-AA55-A57376293B26}"/>
-                </a:ext>
-              </a:extLst>
-            </p:cNvPr>
-            <p:cNvSpPr txBox="1"/>
-            <p:nvPr/>
-          </p:nvSpPr>
-          <p:spPr>
-            <a:xfrm>
-              <a:off x="9531252" y="9093881"/>
-              <a:ext cx="7574512" cy="7436502"/>
-            </a:xfrm>
-            <a:prstGeom prst="rect">
-              <a:avLst/>
-            </a:prstGeom>
-            <a:solidFill>
-              <a:srgbClr val="2E3639">
-                <a:alpha val="10000"/>
-              </a:srgbClr>
-            </a:solidFill>
-          </p:spPr>
-          <p:txBody>
-            <a:bodyPr wrap="square" rtlCol="0">
-              <a:noAutofit/>
-            </a:bodyPr>
-            <a:lstStyle/>
-            <a:p>
-              <a:pPr algn="ctr"/>
-              <a:endParaRPr lang="de-DE" dirty="0">
-                <a:latin typeface="Source Sans Pro SemiBold" panose="020B0603030403020204" pitchFamily="34" charset="0"/>
-                <a:ea typeface="Source Sans Pro SemiBold" panose="020B0603030403020204" pitchFamily="34" charset="0"/>
-              </a:endParaRPr>
-            </a:p>
-          </p:txBody>
-        </p:sp>
-        <p:sp>
-          <p:nvSpPr>
-            <p:cNvPr id="14" name="Rechteck 13">
-              <a:extLst>
-                <a:ext uri="{FF2B5EF4-FFF2-40B4-BE49-F238E27FC236}">
-                  <a16:creationId xmlns:a16="http://schemas.microsoft.com/office/drawing/2014/main" id="{CB3147F6-0FB7-4366-9BFE-5BC71DD01157}"/>
-                </a:ext>
-              </a:extLst>
-            </p:cNvPr>
-            <p:cNvSpPr/>
-            <p:nvPr/>
-          </p:nvSpPr>
-          <p:spPr>
-            <a:xfrm rot="16200000">
-              <a:off x="6025074" y="12576172"/>
-              <a:ext cx="7436503" cy="471919"/>
-            </a:xfrm>
-            <a:prstGeom prst="rect">
-              <a:avLst/>
-            </a:prstGeom>
-            <a:solidFill>
-              <a:srgbClr val="009EE3"/>
-            </a:solidFill>
-          </p:spPr>
-          <p:txBody>
-            <a:bodyPr wrap="square">
-              <a:spAutoFit/>
-            </a:bodyPr>
-            <a:lstStyle/>
-            <a:p>
-              <a:pPr algn="ctr"/>
-              <a:r>
-                <a:rPr lang="de-DE" sz="4800" dirty="0">
-                  <a:solidFill>
-                    <a:schemeClr val="bg1"/>
-                  </a:solidFill>
-                  <a:latin typeface="Source Sans Pro SemiBold" panose="020B0603030403020204" pitchFamily="34" charset="0"/>
-                  <a:ea typeface="Source Sans Pro SemiBold" panose="020B0603030403020204" pitchFamily="34" charset="0"/>
-                </a:rPr>
-                <a:t>AUTOCUT</a:t>
-              </a:r>
-              <a:endParaRPr lang="de-DE" sz="4800" dirty="0">
-                <a:solidFill>
-                  <a:schemeClr val="bg1"/>
-                </a:solidFill>
-              </a:endParaRPr>
-            </a:p>
-          </p:txBody>
-        </p:sp>
-      </p:grpSp>
+        </p:nvPicPr>
+        <p:blipFill>
+          <a:blip r:embed="rId2" cstate="print">
+            <a:extLst>
+              <a:ext uri="{28A0092B-C50C-407E-A947-70E740481C1C}">
+                <a14:useLocalDpi xmlns:a14="http://schemas.microsoft.com/office/drawing/2010/main" val="0"/>
+              </a:ext>
+            </a:extLst>
+          </a:blip>
+          <a:stretch>
+            <a:fillRect/>
+          </a:stretch>
+        </p:blipFill>
+        <p:spPr>
+          <a:xfrm>
+            <a:off x="10082543" y="1845054"/>
+            <a:ext cx="1218538" cy="1123200"/>
+          </a:xfrm>
+          <a:prstGeom prst="rect">
+            <a:avLst/>
+          </a:prstGeom>
+        </p:spPr>
+      </p:pic>
+      <p:sp>
+        <p:nvSpPr>
+          <p:cNvPr id="62" name="Textfeld 61">
+            <a:extLst>
+              <a:ext uri="{FF2B5EF4-FFF2-40B4-BE49-F238E27FC236}">
+                <a16:creationId xmlns:a16="http://schemas.microsoft.com/office/drawing/2014/main" id="{1D2E8C3A-5545-40C0-BE11-1A6C394CEB4A}"/>
+              </a:ext>
+            </a:extLst>
+          </p:cNvPr>
+          <p:cNvSpPr txBox="1"/>
+          <p:nvPr/>
+        </p:nvSpPr>
+        <p:spPr>
+          <a:xfrm>
+            <a:off x="9363671" y="13152509"/>
+            <a:ext cx="11071111" cy="4642205"/>
+          </a:xfrm>
+          <a:prstGeom prst="rect">
+            <a:avLst/>
+          </a:prstGeom>
+          <a:solidFill>
+            <a:srgbClr val="2E3639">
+              <a:alpha val="10000"/>
+            </a:srgbClr>
+          </a:solidFill>
+        </p:spPr>
+        <p:txBody>
+          <a:bodyPr wrap="square" rtlCol="0">
+            <a:noAutofit/>
+          </a:bodyPr>
+          <a:lstStyle/>
+          <a:p>
+            <a:pPr algn="ctr"/>
+            <a:endParaRPr lang="de-DE" dirty="0">
+              <a:latin typeface="Source Sans Pro SemiBold" panose="020B0603030403020204" pitchFamily="34" charset="0"/>
+              <a:ea typeface="Source Sans Pro SemiBold" panose="020B0603030403020204" pitchFamily="34" charset="0"/>
+            </a:endParaRPr>
+          </a:p>
+        </p:txBody>
+      </p:sp>
       <p:sp>
         <p:nvSpPr>
           <p:cNvPr id="2" name="Titel 1">
@@ -6092,6 +6022,13 @@
           <a:lstStyle/>
           <a:p>
             <a:pPr algn="l"/>
+            <a:r>
+              <a:rPr lang="de-DE" dirty="0">
+                <a:latin typeface="Source Sans Pro" panose="020B0503030403020204" pitchFamily="34" charset="0"/>
+                <a:ea typeface="Source Sans Pro" panose="020B0503030403020204" pitchFamily="34" charset="0"/>
+              </a:rPr>
+              <a:t/>
+            </a:r>
             <a:br>
               <a:rPr lang="de-DE" dirty="0">
                 <a:latin typeface="Source Sans Pro" panose="020B0503030403020204" pitchFamily="34" charset="0"/>
@@ -6105,6 +6042,10 @@
               </a:rPr>
               <a:t>Mission Uncuttable?</a:t>
             </a:r>
+            <a:r>
+              <a:rPr lang="de-DE" dirty="0"/>
+              <a:t/>
+            </a:r>
             <a:br>
               <a:rPr lang="de-DE" dirty="0"/>
             </a:br>
@@ -6281,174 +6222,6 @@
           </a:p>
         </p:txBody>
       </p:sp>
-      <p:grpSp>
-        <p:nvGrpSpPr>
-          <p:cNvPr id="26" name="Gruppieren 25">
-            <a:extLst>
-              <a:ext uri="{FF2B5EF4-FFF2-40B4-BE49-F238E27FC236}">
-                <a16:creationId xmlns:a16="http://schemas.microsoft.com/office/drawing/2014/main" id="{0BF1E6CD-4759-408E-8EBA-87C27F108BCD}"/>
-              </a:ext>
-            </a:extLst>
-          </p:cNvPr>
-          <p:cNvGrpSpPr/>
-          <p:nvPr/>
-        </p:nvGrpSpPr>
-        <p:grpSpPr>
-          <a:xfrm>
-            <a:off x="7163420" y="9093553"/>
-            <a:ext cx="2438740" cy="3238954"/>
-            <a:chOff x="11058109" y="6502663"/>
-            <a:chExt cx="2438740" cy="3238954"/>
-          </a:xfrm>
-        </p:grpSpPr>
-        <p:pic>
-          <p:nvPicPr>
-            <p:cNvPr id="4" name="Grafik 3">
-              <a:extLst>
-                <a:ext uri="{FF2B5EF4-FFF2-40B4-BE49-F238E27FC236}">
-                  <a16:creationId xmlns:a16="http://schemas.microsoft.com/office/drawing/2014/main" id="{3FDF81C5-65FA-40D2-9AFD-5241093820F7}"/>
-                </a:ext>
-              </a:extLst>
-            </p:cNvPr>
-            <p:cNvPicPr>
-              <a:picLocks noChangeAspect="1"/>
-            </p:cNvPicPr>
-            <p:nvPr/>
-          </p:nvPicPr>
-          <p:blipFill rotWithShape="1">
-            <a:blip r:embed="rId3">
-              <a:extLst>
-                <a:ext uri="{28A0092B-C50C-407E-A947-70E740481C1C}">
-                  <a14:useLocalDpi xmlns:a14="http://schemas.microsoft.com/office/drawing/2010/main" val="0"/>
-                </a:ext>
-              </a:extLst>
-            </a:blip>
-            <a:srcRect t="15709" r="17420" b="5950"/>
-            <a:stretch/>
-          </p:blipFill>
-          <p:spPr>
-            <a:xfrm>
-              <a:off x="11058109" y="6502663"/>
-              <a:ext cx="2438740" cy="1619477"/>
-            </a:xfrm>
-            <a:prstGeom prst="rect">
-              <a:avLst/>
-            </a:prstGeom>
-          </p:spPr>
-        </p:pic>
-        <p:pic>
-          <p:nvPicPr>
-            <p:cNvPr id="6" name="Grafik 5">
-              <a:extLst>
-                <a:ext uri="{FF2B5EF4-FFF2-40B4-BE49-F238E27FC236}">
-                  <a16:creationId xmlns:a16="http://schemas.microsoft.com/office/drawing/2014/main" id="{9D902062-00C8-4E3A-A9A3-A52632A04368}"/>
-                </a:ext>
-              </a:extLst>
-            </p:cNvPr>
-            <p:cNvPicPr>
-              <a:picLocks noChangeAspect="1"/>
-            </p:cNvPicPr>
-            <p:nvPr/>
-          </p:nvPicPr>
-          <p:blipFill>
-            <a:blip r:embed="rId4">
-              <a:extLst>
-                <a:ext uri="{28A0092B-C50C-407E-A947-70E740481C1C}">
-                  <a14:useLocalDpi xmlns:a14="http://schemas.microsoft.com/office/drawing/2010/main" val="0"/>
-                </a:ext>
-              </a:extLst>
-            </a:blip>
-            <a:stretch>
-              <a:fillRect/>
-            </a:stretch>
-          </p:blipFill>
-          <p:spPr>
-            <a:xfrm>
-              <a:off x="11058109" y="8122141"/>
-              <a:ext cx="2438740" cy="1619476"/>
-            </a:xfrm>
-            <a:prstGeom prst="rect">
-              <a:avLst/>
-            </a:prstGeom>
-          </p:spPr>
-        </p:pic>
-      </p:grpSp>
-      <p:pic>
-        <p:nvPicPr>
-          <p:cNvPr id="9" name="Grafik 8">
-            <a:extLst>
-              <a:ext uri="{FF2B5EF4-FFF2-40B4-BE49-F238E27FC236}">
-                <a16:creationId xmlns:a16="http://schemas.microsoft.com/office/drawing/2014/main" id="{C155AA76-58B8-4E42-BA77-01EC2EDCEEEA}"/>
-              </a:ext>
-            </a:extLst>
-          </p:cNvPr>
-          <p:cNvPicPr>
-            <a:picLocks noChangeAspect="1"/>
-          </p:cNvPicPr>
-          <p:nvPr/>
-        </p:nvPicPr>
-        <p:blipFill rotWithShape="1">
-          <a:blip r:embed="rId5">
-            <a:extLst>
-              <a:ext uri="{28A0092B-C50C-407E-A947-70E740481C1C}">
-                <a14:useLocalDpi xmlns:a14="http://schemas.microsoft.com/office/drawing/2010/main" val="0"/>
-              </a:ext>
-            </a:extLst>
-          </a:blip>
-          <a:srcRect t="9808"/>
-          <a:stretch/>
-        </p:blipFill>
-        <p:spPr>
-          <a:xfrm>
-            <a:off x="2338884" y="9093553"/>
-            <a:ext cx="3257143" cy="3229731"/>
-          </a:xfrm>
-          <a:prstGeom prst="rect">
-            <a:avLst/>
-          </a:prstGeom>
-        </p:spPr>
-      </p:pic>
-      <p:cxnSp>
-        <p:nvCxnSpPr>
-          <p:cNvPr id="24" name="Gerade Verbindung mit Pfeil 23">
-            <a:extLst>
-              <a:ext uri="{FF2B5EF4-FFF2-40B4-BE49-F238E27FC236}">
-                <a16:creationId xmlns:a16="http://schemas.microsoft.com/office/drawing/2014/main" id="{5255DD43-4576-4337-875F-6619AEAB57A9}"/>
-              </a:ext>
-            </a:extLst>
-          </p:cNvPr>
-          <p:cNvCxnSpPr>
-            <a:cxnSpLocks/>
-          </p:cNvCxnSpPr>
-          <p:nvPr/>
-        </p:nvCxnSpPr>
-        <p:spPr>
-          <a:xfrm>
-            <a:off x="5867276" y="10708418"/>
-            <a:ext cx="1008111" cy="0"/>
-          </a:xfrm>
-          <a:prstGeom prst="straightConnector1">
-            <a:avLst/>
-          </a:prstGeom>
-          <a:ln w="101600">
-            <a:tailEnd type="triangle" w="lg" len="med"/>
-          </a:ln>
-        </p:spPr>
-        <p:style>
-          <a:lnRef idx="1">
-            <a:schemeClr val="accent5"/>
-          </a:lnRef>
-          <a:fillRef idx="0">
-            <a:schemeClr val="accent5"/>
-          </a:fillRef>
-          <a:effectRef idx="0">
-            <a:schemeClr val="accent5"/>
-          </a:effectRef>
-          <a:fontRef idx="minor">
-            <a:schemeClr val="tx1"/>
-          </a:fontRef>
-        </p:style>
-      </p:cxnSp>
       <p:sp>
         <p:nvSpPr>
           <p:cNvPr id="25" name="Textfeld 24">
@@ -6463,7 +6236,7 @@
         </p:nvSpPr>
         <p:spPr>
           <a:xfrm>
-            <a:off x="2338883" y="8223695"/>
+            <a:off x="2240204" y="8223695"/>
             <a:ext cx="3257144" cy="701727"/>
           </a:xfrm>
           <a:prstGeom prst="rect">
@@ -6504,7 +6277,7 @@
         </p:nvSpPr>
         <p:spPr>
           <a:xfrm>
-            <a:off x="7193817" y="8217536"/>
+            <a:off x="6328342" y="8217536"/>
             <a:ext cx="1943676" cy="707886"/>
           </a:xfrm>
           <a:prstGeom prst="rect">
@@ -6545,7 +6318,7 @@
         </p:nvSpPr>
         <p:spPr>
           <a:xfrm>
-            <a:off x="11339884" y="8223695"/>
+            <a:off x="9649993" y="8221317"/>
             <a:ext cx="2438740" cy="707886"/>
           </a:xfrm>
           <a:prstGeom prst="rect">
@@ -6572,47 +6345,6 @@
           </a:p>
         </p:txBody>
       </p:sp>
-      <p:cxnSp>
-        <p:nvCxnSpPr>
-          <p:cNvPr id="41" name="Gerade Verbindung mit Pfeil 40">
-            <a:extLst>
-              <a:ext uri="{FF2B5EF4-FFF2-40B4-BE49-F238E27FC236}">
-                <a16:creationId xmlns:a16="http://schemas.microsoft.com/office/drawing/2014/main" id="{D4882405-A2F6-49CF-8A65-DF51E69A6E37}"/>
-              </a:ext>
-            </a:extLst>
-          </p:cNvPr>
-          <p:cNvCxnSpPr>
-            <a:cxnSpLocks/>
-          </p:cNvCxnSpPr>
-          <p:nvPr/>
-        </p:nvCxnSpPr>
-        <p:spPr>
-          <a:xfrm>
-            <a:off x="9827716" y="10749737"/>
-            <a:ext cx="1008111" cy="0"/>
-          </a:xfrm>
-          <a:prstGeom prst="straightConnector1">
-            <a:avLst/>
-          </a:prstGeom>
-          <a:ln w="101600">
-            <a:tailEnd type="triangle" w="lg" len="med"/>
-          </a:ln>
-        </p:spPr>
-        <p:style>
-          <a:lnRef idx="1">
-            <a:schemeClr val="accent5"/>
-          </a:lnRef>
-          <a:fillRef idx="0">
-            <a:schemeClr val="accent5"/>
-          </a:fillRef>
-          <a:effectRef idx="0">
-            <a:schemeClr val="accent5"/>
-          </a:effectRef>
-          <a:fontRef idx="minor">
-            <a:schemeClr val="tx1"/>
-          </a:fontRef>
-        </p:style>
-      </p:cxnSp>
       <p:grpSp>
         <p:nvGrpSpPr>
           <p:cNvPr id="54" name="Gruppieren 53">
@@ -6737,7 +6469,7 @@
             <p:nvPr/>
           </p:nvPicPr>
           <p:blipFill>
-            <a:blip r:embed="rId6">
+            <a:blip r:embed="rId3">
               <a:extLst>
                 <a:ext uri="{28A0092B-C50C-407E-A947-70E740481C1C}">
                   <a14:useLocalDpi xmlns:a14="http://schemas.microsoft.com/office/drawing/2010/main" val="0"/>
@@ -6759,167 +6491,90 @@
           </p:spPr>
         </p:pic>
       </p:grpSp>
-      <p:grpSp>
-        <p:nvGrpSpPr>
-          <p:cNvPr id="57" name="Gruppieren 56">
-            <a:extLst>
-              <a:ext uri="{FF2B5EF4-FFF2-40B4-BE49-F238E27FC236}">
-                <a16:creationId xmlns:a16="http://schemas.microsoft.com/office/drawing/2014/main" id="{3E11D3C4-80DD-47CC-81F9-33A7ED68FE8B}"/>
-              </a:ext>
-            </a:extLst>
-          </p:cNvPr>
-          <p:cNvGrpSpPr/>
+      <p:sp>
+        <p:nvSpPr>
+          <p:cNvPr id="38" name="Textfeld 37">
+            <a:extLst>
+              <a:ext uri="{FF2B5EF4-FFF2-40B4-BE49-F238E27FC236}">
+                <a16:creationId xmlns:a16="http://schemas.microsoft.com/office/drawing/2014/main" id="{C3CA26E3-A33B-43C2-B6AC-AB692567963E}"/>
+              </a:ext>
+            </a:extLst>
+          </p:cNvPr>
+          <p:cNvSpPr txBox="1"/>
           <p:nvPr/>
-        </p:nvGrpSpPr>
-        <p:grpSpPr>
-          <a:xfrm>
-            <a:off x="970731" y="18332266"/>
-            <a:ext cx="11615177" cy="4624707"/>
-            <a:chOff x="8819604" y="13270017"/>
-            <a:chExt cx="11615177" cy="4624707"/>
-          </a:xfrm>
-        </p:grpSpPr>
-        <p:grpSp>
-          <p:nvGrpSpPr>
-            <p:cNvPr id="37" name="Gruppieren 36">
-              <a:extLst>
-                <a:ext uri="{FF2B5EF4-FFF2-40B4-BE49-F238E27FC236}">
-                  <a16:creationId xmlns:a16="http://schemas.microsoft.com/office/drawing/2014/main" id="{3288C4C6-5580-4708-8C17-1FB1A802002A}"/>
-                </a:ext>
-              </a:extLst>
-            </p:cNvPr>
-            <p:cNvGrpSpPr/>
-            <p:nvPr/>
-          </p:nvGrpSpPr>
-          <p:grpSpPr>
-            <a:xfrm>
-              <a:off x="8819604" y="13270017"/>
-              <a:ext cx="11615177" cy="4624707"/>
-              <a:chOff x="9506041" y="9093880"/>
-              <a:chExt cx="6596203" cy="7436503"/>
-            </a:xfrm>
-          </p:grpSpPr>
-          <p:sp>
-            <p:nvSpPr>
-              <p:cNvPr id="38" name="Textfeld 37">
-                <a:extLst>
-                  <a:ext uri="{FF2B5EF4-FFF2-40B4-BE49-F238E27FC236}">
-                    <a16:creationId xmlns:a16="http://schemas.microsoft.com/office/drawing/2014/main" id="{C3CA26E3-A33B-43C2-B6AC-AB692567963E}"/>
-                  </a:ext>
-                </a:extLst>
-              </p:cNvPr>
-              <p:cNvSpPr txBox="1"/>
-              <p:nvPr/>
-            </p:nvSpPr>
-            <p:spPr>
-              <a:xfrm>
-                <a:off x="9531253" y="9093880"/>
-                <a:ext cx="6570991" cy="7436503"/>
-              </a:xfrm>
-              <a:prstGeom prst="rect">
-                <a:avLst/>
-              </a:prstGeom>
-              <a:solidFill>
-                <a:srgbClr val="2E3639">
-                  <a:alpha val="10000"/>
-                </a:srgbClr>
-              </a:solidFill>
-            </p:spPr>
-            <p:txBody>
-              <a:bodyPr wrap="square" rtlCol="0">
-                <a:noAutofit/>
-              </a:bodyPr>
-              <a:lstStyle/>
-              <a:p>
-                <a:pPr algn="ctr"/>
-                <a:endParaRPr lang="de-DE" dirty="0">
-                  <a:latin typeface="Source Sans Pro SemiBold" panose="020B0603030403020204" pitchFamily="34" charset="0"/>
-                  <a:ea typeface="Source Sans Pro SemiBold" panose="020B0603030403020204" pitchFamily="34" charset="0"/>
-                </a:endParaRPr>
-              </a:p>
-            </p:txBody>
-          </p:sp>
-          <p:sp>
-            <p:nvSpPr>
-              <p:cNvPr id="39" name="Rechteck 38">
-                <a:extLst>
-                  <a:ext uri="{FF2B5EF4-FFF2-40B4-BE49-F238E27FC236}">
-                    <a16:creationId xmlns:a16="http://schemas.microsoft.com/office/drawing/2014/main" id="{1DA4CB3C-589E-4870-AB15-04E4312B9973}"/>
-                  </a:ext>
-                </a:extLst>
-              </p:cNvPr>
-              <p:cNvSpPr/>
-              <p:nvPr/>
-            </p:nvSpPr>
-            <p:spPr>
-              <a:xfrm rot="16200000">
-                <a:off x="6023749" y="12576172"/>
-                <a:ext cx="7436503" cy="471919"/>
-              </a:xfrm>
-              <a:prstGeom prst="rect">
-                <a:avLst/>
-              </a:prstGeom>
-              <a:solidFill>
-                <a:srgbClr val="009EE3"/>
-              </a:solidFill>
-            </p:spPr>
-            <p:txBody>
-              <a:bodyPr wrap="square">
-                <a:spAutoFit/>
-              </a:bodyPr>
-              <a:lstStyle/>
-              <a:p>
-                <a:pPr algn="ctr"/>
-                <a:r>
-                  <a:rPr lang="de-DE" sz="4800" dirty="0">
-                    <a:solidFill>
-                      <a:schemeClr val="bg1"/>
-                    </a:solidFill>
-                    <a:latin typeface="Source Sans Pro SemiBold" panose="020B0603030403020204" pitchFamily="34" charset="0"/>
-                    <a:ea typeface="Source Sans Pro SemiBold" panose="020B0603030403020204" pitchFamily="34" charset="0"/>
-                  </a:rPr>
-                  <a:t>TIMELINE</a:t>
-                </a:r>
-              </a:p>
-            </p:txBody>
-          </p:sp>
-        </p:grpSp>
-        <p:pic>
-          <p:nvPicPr>
-            <p:cNvPr id="5" name="Grafik 4">
-              <a:extLst>
-                <a:ext uri="{FF2B5EF4-FFF2-40B4-BE49-F238E27FC236}">
-                  <a16:creationId xmlns:a16="http://schemas.microsoft.com/office/drawing/2014/main" id="{720D8A04-72D7-452B-A098-EF8271CD7766}"/>
-                </a:ext>
-              </a:extLst>
-            </p:cNvPr>
-            <p:cNvPicPr>
-              <a:picLocks noChangeAspect="1"/>
-            </p:cNvPicPr>
-            <p:nvPr/>
-          </p:nvPicPr>
-          <p:blipFill rotWithShape="1">
-            <a:blip r:embed="rId7">
-              <a:extLst>
-                <a:ext uri="{28A0092B-C50C-407E-A947-70E740481C1C}">
-                  <a14:useLocalDpi xmlns:a14="http://schemas.microsoft.com/office/drawing/2010/main" val="0"/>
-                </a:ext>
-              </a:extLst>
-            </a:blip>
-            <a:srcRect l="1889" t="2492" r="1291" b="10755"/>
-            <a:stretch/>
-          </p:blipFill>
-          <p:spPr>
-            <a:xfrm>
-              <a:off x="9874277" y="14106880"/>
-              <a:ext cx="10336827" cy="2973608"/>
-            </a:xfrm>
-            <a:prstGeom prst="rect">
-              <a:avLst/>
-            </a:prstGeom>
-          </p:spPr>
-        </p:pic>
-      </p:grpSp>
+        </p:nvSpPr>
+        <p:spPr>
+          <a:xfrm>
+            <a:off x="1801727" y="18332266"/>
+            <a:ext cx="10784181" cy="4624707"/>
+          </a:xfrm>
+          <a:prstGeom prst="rect">
+            <a:avLst/>
+          </a:prstGeom>
+          <a:solidFill>
+            <a:srgbClr val="2E3639">
+              <a:alpha val="10000"/>
+            </a:srgbClr>
+          </a:solidFill>
+        </p:spPr>
+        <p:txBody>
+          <a:bodyPr wrap="square" rtlCol="0">
+            <a:noAutofit/>
+          </a:bodyPr>
+          <a:lstStyle/>
+          <a:p>
+            <a:pPr algn="ctr"/>
+            <a:endParaRPr lang="de-DE" dirty="0">
+              <a:latin typeface="Source Sans Pro SemiBold" panose="020B0603030403020204" pitchFamily="34" charset="0"/>
+              <a:ea typeface="Source Sans Pro SemiBold" panose="020B0603030403020204" pitchFamily="34" charset="0"/>
+            </a:endParaRPr>
+          </a:p>
+        </p:txBody>
+      </p:sp>
+      <p:sp>
+        <p:nvSpPr>
+          <p:cNvPr id="39" name="Rechteck 38">
+            <a:extLst>
+              <a:ext uri="{FF2B5EF4-FFF2-40B4-BE49-F238E27FC236}">
+                <a16:creationId xmlns:a16="http://schemas.microsoft.com/office/drawing/2014/main" id="{1DA4CB3C-589E-4870-AB15-04E4312B9973}"/>
+              </a:ext>
+            </a:extLst>
+          </p:cNvPr>
+          <p:cNvSpPr/>
+          <p:nvPr/>
+        </p:nvSpPr>
+        <p:spPr>
+          <a:xfrm rot="16200000">
+            <a:off x="-926124" y="20229121"/>
+            <a:ext cx="4624707" cy="830997"/>
+          </a:xfrm>
+          <a:prstGeom prst="rect">
+            <a:avLst/>
+          </a:prstGeom>
+          <a:solidFill>
+            <a:srgbClr val="009EE3"/>
+          </a:solidFill>
+        </p:spPr>
+        <p:txBody>
+          <a:bodyPr wrap="square">
+            <a:spAutoFit/>
+          </a:bodyPr>
+          <a:lstStyle/>
+          <a:p>
+            <a:pPr algn="ctr"/>
+            <a:r>
+              <a:rPr lang="de-DE" sz="4800" dirty="0">
+                <a:solidFill>
+                  <a:schemeClr val="bg1"/>
+                </a:solidFill>
+                <a:latin typeface="Source Sans Pro SemiBold" panose="020B0603030403020204" pitchFamily="34" charset="0"/>
+                <a:ea typeface="Source Sans Pro SemiBold" panose="020B0603030403020204" pitchFamily="34" charset="0"/>
+              </a:rPr>
+              <a:t>TIMELINE</a:t>
+            </a:r>
+          </a:p>
+        </p:txBody>
+      </p:sp>
       <p:sp>
         <p:nvSpPr>
           <p:cNvPr id="7" name="Textfeld 6">
@@ -6977,7 +6632,7 @@
           <p:nvPr/>
         </p:nvPicPr>
         <p:blipFill>
-          <a:blip r:embed="rId8" cstate="print">
+          <a:blip r:embed="rId4" cstate="print">
             <a:extLst>
               <a:ext uri="{28A0092B-C50C-407E-A947-70E740481C1C}">
                 <a14:useLocalDpi xmlns:a14="http://schemas.microsoft.com/office/drawing/2010/main" val="0"/>
@@ -7289,7 +6944,7 @@
         </p:nvSpPr>
         <p:spPr>
           <a:xfrm>
-            <a:off x="9965445" y="13295154"/>
+            <a:off x="9906588" y="13493616"/>
             <a:ext cx="3257144" cy="707886"/>
           </a:xfrm>
           <a:prstGeom prst="rect">
@@ -7330,10 +6985,10 @@
         </p:nvGrpSpPr>
         <p:grpSpPr>
           <a:xfrm>
-            <a:off x="9827716" y="14145684"/>
-            <a:ext cx="10153128" cy="2655854"/>
+            <a:off x="9904751" y="14417526"/>
+            <a:ext cx="10004085" cy="2655854"/>
             <a:chOff x="9761313" y="14214521"/>
-            <a:chExt cx="10153128" cy="2655854"/>
+            <a:chExt cx="10004085" cy="2655854"/>
           </a:xfrm>
         </p:grpSpPr>
         <p:pic>
@@ -7350,21 +7005,22 @@
             </p:cNvPicPr>
             <p:nvPr/>
           </p:nvPicPr>
-          <p:blipFill rotWithShape="1">
-            <a:blip r:embed="rId9" cstate="print">
+          <p:blipFill>
+            <a:blip r:embed="rId5" cstate="print">
               <a:extLst>
                 <a:ext uri="{28A0092B-C50C-407E-A947-70E740481C1C}">
                   <a14:useLocalDpi xmlns:a14="http://schemas.microsoft.com/office/drawing/2010/main" val="0"/>
                 </a:ext>
               </a:extLst>
             </a:blip>
-            <a:srcRect t="3112"/>
-            <a:stretch/>
+            <a:stretch>
+              <a:fillRect/>
+            </a:stretch>
           </p:blipFill>
           <p:spPr>
             <a:xfrm>
-              <a:off x="14892504" y="14214521"/>
-              <a:ext cx="5021937" cy="2655854"/>
+              <a:off x="15041547" y="14214521"/>
+              <a:ext cx="4723851" cy="2655854"/>
             </a:xfrm>
             <a:prstGeom prst="rect">
               <a:avLst/>
@@ -7386,7 +7042,7 @@
             <p:nvPr/>
           </p:nvPicPr>
           <p:blipFill>
-            <a:blip r:embed="rId10" cstate="print">
+            <a:blip r:embed="rId6" cstate="print">
               <a:extLst>
                 <a:ext uri="{28A0092B-C50C-407E-A947-70E740481C1C}">
                   <a14:useLocalDpi xmlns:a14="http://schemas.microsoft.com/office/drawing/2010/main" val="0"/>
@@ -7463,7 +7119,7 @@
         </p:nvSpPr>
         <p:spPr>
           <a:xfrm>
-            <a:off x="14809286" y="13295154"/>
+            <a:off x="15188986" y="13493616"/>
             <a:ext cx="3257144" cy="707886"/>
           </a:xfrm>
           <a:prstGeom prst="rect">
@@ -7650,7 +7306,7 @@
               <p:nvPr/>
             </p:nvPicPr>
             <p:blipFill>
-              <a:blip r:embed="rId11">
+              <a:blip r:embed="rId7">
                 <a:extLst>
                   <a:ext uri="{28A0092B-C50C-407E-A947-70E740481C1C}">
                     <a14:useLocalDpi xmlns:a14="http://schemas.microsoft.com/office/drawing/2010/main" val="0"/>
@@ -7687,7 +7343,7 @@
             <p:nvPr/>
           </p:nvPicPr>
           <p:blipFill>
-            <a:blip r:embed="rId12">
+            <a:blip r:embed="rId8">
               <a:alphaModFix/>
               <a:extLst>
                 <a:ext uri="{28A0092B-C50C-407E-A947-70E740481C1C}">
@@ -7710,6 +7366,339 @@
           </p:spPr>
         </p:pic>
       </p:grpSp>
+      <p:sp>
+        <p:nvSpPr>
+          <p:cNvPr id="14" name="Rechteck 13">
+            <a:extLst>
+              <a:ext uri="{FF2B5EF4-FFF2-40B4-BE49-F238E27FC236}">
+                <a16:creationId xmlns:a16="http://schemas.microsoft.com/office/drawing/2014/main" id="{CB3147F6-0FB7-4366-9BFE-5BC71DD01157}"/>
+              </a:ext>
+            </a:extLst>
+          </p:cNvPr>
+          <p:cNvSpPr/>
+          <p:nvPr/>
+        </p:nvSpPr>
+        <p:spPr>
+          <a:xfrm rot="16200000">
+            <a:off x="-924391" y="9892357"/>
+            <a:ext cx="4624710" cy="834462"/>
+          </a:xfrm>
+          <a:prstGeom prst="rect">
+            <a:avLst/>
+          </a:prstGeom>
+          <a:solidFill>
+            <a:srgbClr val="009EE3"/>
+          </a:solidFill>
+        </p:spPr>
+        <p:txBody>
+          <a:bodyPr wrap="square">
+            <a:spAutoFit/>
+          </a:bodyPr>
+          <a:lstStyle/>
+          <a:p>
+            <a:pPr algn="ctr"/>
+            <a:r>
+              <a:rPr lang="de-DE" sz="4800" dirty="0">
+                <a:solidFill>
+                  <a:schemeClr val="bg1"/>
+                </a:solidFill>
+                <a:latin typeface="Source Sans Pro SemiBold" panose="020B0603030403020204" pitchFamily="34" charset="0"/>
+                <a:ea typeface="Source Sans Pro SemiBold" panose="020B0603030403020204" pitchFamily="34" charset="0"/>
+              </a:rPr>
+              <a:t>AUTOCUT</a:t>
+            </a:r>
+            <a:endParaRPr lang="de-DE" sz="4800" dirty="0">
+              <a:solidFill>
+                <a:schemeClr val="bg1"/>
+              </a:solidFill>
+            </a:endParaRPr>
+          </a:p>
+        </p:txBody>
+      </p:sp>
+      <p:pic>
+        <p:nvPicPr>
+          <p:cNvPr id="12" name="Grafik 11"/>
+          <p:cNvPicPr>
+            <a:picLocks noChangeAspect="1"/>
+          </p:cNvPicPr>
+          <p:nvPr/>
+        </p:nvPicPr>
+        <p:blipFill>
+          <a:blip r:embed="rId9">
+            <a:extLst>
+              <a:ext uri="{28A0092B-C50C-407E-A947-70E740481C1C}">
+                <a14:useLocalDpi xmlns:a14="http://schemas.microsoft.com/office/drawing/2010/main" val="0"/>
+              </a:ext>
+            </a:extLst>
+          </a:blip>
+          <a:stretch>
+            <a:fillRect/>
+          </a:stretch>
+        </p:blipFill>
+        <p:spPr>
+          <a:xfrm>
+            <a:off x="9630714" y="9304958"/>
+            <a:ext cx="4337263" cy="2570705"/>
+          </a:xfrm>
+          <a:prstGeom prst="rect">
+            <a:avLst/>
+          </a:prstGeom>
+        </p:spPr>
+      </p:pic>
+      <p:grpSp>
+        <p:nvGrpSpPr>
+          <p:cNvPr id="11" name="Gruppieren 10"/>
+          <p:cNvGrpSpPr/>
+          <p:nvPr/>
+        </p:nvGrpSpPr>
+        <p:grpSpPr>
+          <a:xfrm>
+            <a:off x="2240205" y="9018332"/>
+            <a:ext cx="7227471" cy="3238954"/>
+            <a:chOff x="2338884" y="9018332"/>
+            <a:chExt cx="7227471" cy="3238954"/>
+          </a:xfrm>
+        </p:grpSpPr>
+        <p:grpSp>
+          <p:nvGrpSpPr>
+            <p:cNvPr id="26" name="Gruppieren 25">
+              <a:extLst>
+                <a:ext uri="{FF2B5EF4-FFF2-40B4-BE49-F238E27FC236}">
+                  <a16:creationId xmlns:a16="http://schemas.microsoft.com/office/drawing/2014/main" id="{0BF1E6CD-4759-408E-8EBA-87C27F108BCD}"/>
+                </a:ext>
+              </a:extLst>
+            </p:cNvPr>
+            <p:cNvGrpSpPr/>
+            <p:nvPr/>
+          </p:nvGrpSpPr>
+          <p:grpSpPr>
+            <a:xfrm>
+              <a:off x="6443340" y="9018332"/>
+              <a:ext cx="2438740" cy="3238954"/>
+              <a:chOff x="11058109" y="6502663"/>
+              <a:chExt cx="2438740" cy="3238954"/>
+            </a:xfrm>
+          </p:grpSpPr>
+          <p:pic>
+            <p:nvPicPr>
+              <p:cNvPr id="4" name="Grafik 3">
+                <a:extLst>
+                  <a:ext uri="{FF2B5EF4-FFF2-40B4-BE49-F238E27FC236}">
+                    <a16:creationId xmlns:a16="http://schemas.microsoft.com/office/drawing/2014/main" id="{3FDF81C5-65FA-40D2-9AFD-5241093820F7}"/>
+                  </a:ext>
+                </a:extLst>
+              </p:cNvPr>
+              <p:cNvPicPr>
+                <a:picLocks noChangeAspect="1"/>
+              </p:cNvPicPr>
+              <p:nvPr/>
+            </p:nvPicPr>
+            <p:blipFill rotWithShape="1">
+              <a:blip r:embed="rId10">
+                <a:extLst>
+                  <a:ext uri="{28A0092B-C50C-407E-A947-70E740481C1C}">
+                    <a14:useLocalDpi xmlns:a14="http://schemas.microsoft.com/office/drawing/2010/main" val="0"/>
+                  </a:ext>
+                </a:extLst>
+              </a:blip>
+              <a:srcRect t="15709" r="17420" b="5950"/>
+              <a:stretch/>
+            </p:blipFill>
+            <p:spPr>
+              <a:xfrm>
+                <a:off x="11058109" y="6502663"/>
+                <a:ext cx="2438740" cy="1619477"/>
+              </a:xfrm>
+              <a:prstGeom prst="rect">
+                <a:avLst/>
+              </a:prstGeom>
+            </p:spPr>
+          </p:pic>
+          <p:pic>
+            <p:nvPicPr>
+              <p:cNvPr id="6" name="Grafik 5">
+                <a:extLst>
+                  <a:ext uri="{FF2B5EF4-FFF2-40B4-BE49-F238E27FC236}">
+                    <a16:creationId xmlns:a16="http://schemas.microsoft.com/office/drawing/2014/main" id="{9D902062-00C8-4E3A-A9A3-A52632A04368}"/>
+                  </a:ext>
+                </a:extLst>
+              </p:cNvPr>
+              <p:cNvPicPr>
+                <a:picLocks noChangeAspect="1"/>
+              </p:cNvPicPr>
+              <p:nvPr/>
+            </p:nvPicPr>
+            <p:blipFill>
+              <a:blip r:embed="rId11">
+                <a:extLst>
+                  <a:ext uri="{28A0092B-C50C-407E-A947-70E740481C1C}">
+                    <a14:useLocalDpi xmlns:a14="http://schemas.microsoft.com/office/drawing/2010/main" val="0"/>
+                  </a:ext>
+                </a:extLst>
+              </a:blip>
+              <a:stretch>
+                <a:fillRect/>
+              </a:stretch>
+            </p:blipFill>
+            <p:spPr>
+              <a:xfrm>
+                <a:off x="11058109" y="8122141"/>
+                <a:ext cx="2438740" cy="1619476"/>
+              </a:xfrm>
+              <a:prstGeom prst="rect">
+                <a:avLst/>
+              </a:prstGeom>
+            </p:spPr>
+          </p:pic>
+        </p:grpSp>
+        <p:pic>
+          <p:nvPicPr>
+            <p:cNvPr id="9" name="Grafik 8">
+              <a:extLst>
+                <a:ext uri="{FF2B5EF4-FFF2-40B4-BE49-F238E27FC236}">
+                  <a16:creationId xmlns:a16="http://schemas.microsoft.com/office/drawing/2014/main" id="{C155AA76-58B8-4E42-BA77-01EC2EDCEEEA}"/>
+                </a:ext>
+              </a:extLst>
+            </p:cNvPr>
+            <p:cNvPicPr>
+              <a:picLocks noChangeAspect="1"/>
+            </p:cNvPicPr>
+            <p:nvPr/>
+          </p:nvPicPr>
+          <p:blipFill rotWithShape="1">
+            <a:blip r:embed="rId12">
+              <a:extLst>
+                <a:ext uri="{28A0092B-C50C-407E-A947-70E740481C1C}">
+                  <a14:useLocalDpi xmlns:a14="http://schemas.microsoft.com/office/drawing/2010/main" val="0"/>
+                </a:ext>
+              </a:extLst>
+            </a:blip>
+            <a:srcRect t="9808"/>
+            <a:stretch/>
+          </p:blipFill>
+          <p:spPr>
+            <a:xfrm>
+              <a:off x="2338884" y="9022944"/>
+              <a:ext cx="3257143" cy="3229731"/>
+            </a:xfrm>
+            <a:prstGeom prst="rect">
+              <a:avLst/>
+            </a:prstGeom>
+          </p:spPr>
+        </p:pic>
+        <p:cxnSp>
+          <p:nvCxnSpPr>
+            <p:cNvPr id="24" name="Gerade Verbindung mit Pfeil 23">
+              <a:extLst>
+                <a:ext uri="{FF2B5EF4-FFF2-40B4-BE49-F238E27FC236}">
+                  <a16:creationId xmlns:a16="http://schemas.microsoft.com/office/drawing/2014/main" id="{5255DD43-4576-4337-875F-6619AEAB57A9}"/>
+                </a:ext>
+              </a:extLst>
+            </p:cNvPr>
+            <p:cNvCxnSpPr>
+              <a:cxnSpLocks/>
+            </p:cNvCxnSpPr>
+            <p:nvPr/>
+          </p:nvCxnSpPr>
+          <p:spPr>
+            <a:xfrm>
+              <a:off x="5795268" y="10637809"/>
+              <a:ext cx="504056" cy="0"/>
+            </a:xfrm>
+            <a:prstGeom prst="straightConnector1">
+              <a:avLst/>
+            </a:prstGeom>
+            <a:ln w="101600">
+              <a:tailEnd type="triangle" w="med" len="med"/>
+            </a:ln>
+          </p:spPr>
+          <p:style>
+            <a:lnRef idx="1">
+              <a:schemeClr val="accent5"/>
+            </a:lnRef>
+            <a:fillRef idx="0">
+              <a:schemeClr val="accent5"/>
+            </a:fillRef>
+            <a:effectRef idx="0">
+              <a:schemeClr val="accent5"/>
+            </a:effectRef>
+            <a:fontRef idx="minor">
+              <a:schemeClr val="tx1"/>
+            </a:fontRef>
+          </p:style>
+        </p:cxnSp>
+        <p:cxnSp>
+          <p:nvCxnSpPr>
+            <p:cNvPr id="50" name="Gerade Verbindung mit Pfeil 49">
+              <a:extLst>
+                <a:ext uri="{FF2B5EF4-FFF2-40B4-BE49-F238E27FC236}">
+                  <a16:creationId xmlns:a16="http://schemas.microsoft.com/office/drawing/2014/main" id="{5255DD43-4576-4337-875F-6619AEAB57A9}"/>
+                </a:ext>
+              </a:extLst>
+            </p:cNvPr>
+            <p:cNvCxnSpPr>
+              <a:cxnSpLocks/>
+            </p:cNvCxnSpPr>
+            <p:nvPr/>
+          </p:nvCxnSpPr>
+          <p:spPr>
+            <a:xfrm>
+              <a:off x="9062299" y="10637809"/>
+              <a:ext cx="504056" cy="0"/>
+            </a:xfrm>
+            <a:prstGeom prst="straightConnector1">
+              <a:avLst/>
+            </a:prstGeom>
+            <a:ln w="101600">
+              <a:tailEnd type="triangle" w="med" len="med"/>
+            </a:ln>
+          </p:spPr>
+          <p:style>
+            <a:lnRef idx="1">
+              <a:schemeClr val="accent5"/>
+            </a:lnRef>
+            <a:fillRef idx="0">
+              <a:schemeClr val="accent5"/>
+            </a:fillRef>
+            <a:effectRef idx="0">
+              <a:schemeClr val="accent5"/>
+            </a:effectRef>
+            <a:fontRef idx="minor">
+              <a:schemeClr val="tx1"/>
+            </a:fontRef>
+          </p:style>
+        </p:cxnSp>
+      </p:grpSp>
+      <p:pic>
+        <p:nvPicPr>
+          <p:cNvPr id="8" name="Grafik 7"/>
+          <p:cNvPicPr>
+            <a:picLocks noChangeAspect="1"/>
+          </p:cNvPicPr>
+          <p:nvPr/>
+        </p:nvPicPr>
+        <p:blipFill>
+          <a:blip r:embed="rId13">
+            <a:extLst>
+              <a:ext uri="{28A0092B-C50C-407E-A947-70E740481C1C}">
+                <a14:useLocalDpi xmlns:a14="http://schemas.microsoft.com/office/drawing/2010/main" val="0"/>
+              </a:ext>
+            </a:extLst>
+          </a:blip>
+          <a:stretch>
+            <a:fillRect/>
+          </a:stretch>
+        </p:blipFill>
+        <p:spPr>
+          <a:xfrm>
+            <a:off x="2397980" y="19279171"/>
+            <a:ext cx="9591675" cy="2730896"/>
+          </a:xfrm>
+          <a:prstGeom prst="rect">
+            <a:avLst/>
+          </a:prstGeom>
+        </p:spPr>
+      </p:pic>
     </p:spTree>
     <p:extLst>
       <p:ext uri="{BB962C8B-B14F-4D97-AF65-F5344CB8AC3E}">
@@ -7720,6 +7709,13 @@
   <p:clrMapOvr>
     <a:masterClrMapping/>
   </p:clrMapOvr>
+  <p:timing>
+    <p:tnLst>
+      <p:par>
+        <p:cTn id="1" dur="indefinite" restart="never" nodeType="tmRoot"/>
+      </p:par>
+    </p:tnLst>
+  </p:timing>
 </p:sld>
 </file>
 
